--- a/5/Ex5-Monaco-SLIDES.pptx
+++ b/5/Ex5-Monaco-SLIDES.pptx
@@ -281,7 +281,7 @@
               <a:pPr>
                 <a:defRPr/>
               </a:pPr>
-              <a:t>23/11/2021</a:t>
+              <a:t>28/11/2021</a:t>
             </a:fld>
             <a:endParaRPr lang="it-IT"/>
           </a:p>
@@ -3697,8 +3697,8 @@
         </p:nvSpPr>
         <p:spPr>
           <a:xfrm>
-            <a:off x="-901017" y="2117271"/>
-            <a:ext cx="10946033" cy="3477875"/>
+            <a:off x="-901017" y="1136895"/>
+            <a:ext cx="10946033" cy="5416868"/>
           </a:xfrm>
           <a:prstGeom prst="rect">
             <a:avLst/>
@@ -3747,6 +3747,191 @@
               </a:rPr>
               <a:t>2021 - 2022</a:t>
             </a:r>
+          </a:p>
+          <a:p>
+            <a:pPr algn="ctr"/>
+            <a:endParaRPr lang="it-IT" b="0" cap="none" spc="0" dirty="0">
+              <a:ln w="0"/>
+              <a:solidFill>
+                <a:schemeClr val="tx1"/>
+              </a:solidFill>
+              <a:effectLst>
+                <a:outerShdw blurRad="38100" dist="19050" dir="2700000" algn="tl" rotWithShape="0">
+                  <a:schemeClr val="dk1">
+                    <a:alpha val="40000"/>
+                  </a:schemeClr>
+                </a:outerShdw>
+              </a:effectLst>
+            </a:endParaRPr>
+          </a:p>
+          <a:p>
+            <a:pPr algn="ctr"/>
+            <a:r>
+              <a:rPr lang="it-IT" sz="3600" b="0" cap="none" spc="0" dirty="0">
+                <a:ln w="0"/>
+                <a:solidFill>
+                  <a:schemeClr val="tx1"/>
+                </a:solidFill>
+                <a:effectLst>
+                  <a:outerShdw blurRad="38100" dist="19050" dir="2700000" algn="tl" rotWithShape="0">
+                    <a:schemeClr val="dk1">
+                      <a:alpha val="40000"/>
+                    </a:schemeClr>
+                  </a:outerShdw>
+                </a:effectLst>
+              </a:rPr>
+              <a:t>Saverio Monaco</a:t>
+            </a:r>
+          </a:p>
+          <a:p>
+            <a:pPr algn="ctr"/>
+            <a:r>
+              <a:rPr lang="it-IT" sz="3600" b="0" dirty="0">
+                <a:ln w="0"/>
+                <a:effectLst>
+                  <a:outerShdw blurRad="38100" dist="19050" dir="2700000" algn="tl" rotWithShape="0">
+                    <a:schemeClr val="dk1">
+                      <a:alpha val="40000"/>
+                    </a:schemeClr>
+                  </a:outerShdw>
+                </a:effectLst>
+              </a:rPr>
+              <a:t>06/12/21</a:t>
+            </a:r>
+          </a:p>
+          <a:p>
+            <a:pPr algn="ctr"/>
+            <a:r>
+              <a:rPr lang="it-IT" sz="3600" b="0" cap="none" spc="0" dirty="0" err="1">
+                <a:ln w="0"/>
+                <a:solidFill>
+                  <a:schemeClr val="tx1"/>
+                </a:solidFill>
+                <a:effectLst>
+                  <a:outerShdw blurRad="38100" dist="19050" dir="2700000" algn="tl" rotWithShape="0">
+                    <a:schemeClr val="dk1">
+                      <a:alpha val="40000"/>
+                    </a:schemeClr>
+                  </a:outerShdw>
+                </a:effectLst>
+              </a:rPr>
+              <a:t>Exercise</a:t>
+            </a:r>
+            <a:r>
+              <a:rPr lang="it-IT" sz="3600" b="0" cap="none" spc="0" dirty="0">
+                <a:ln w="0"/>
+                <a:solidFill>
+                  <a:schemeClr val="tx1"/>
+                </a:solidFill>
+                <a:effectLst>
+                  <a:outerShdw blurRad="38100" dist="19050" dir="2700000" algn="tl" rotWithShape="0">
+                    <a:schemeClr val="dk1">
+                      <a:alpha val="40000"/>
+                    </a:schemeClr>
+                  </a:outerShdw>
+                </a:effectLst>
+              </a:rPr>
+              <a:t> 5</a:t>
+            </a:r>
+          </a:p>
+          <a:p>
+            <a:pPr algn="ctr"/>
+            <a:endParaRPr lang="it-IT" sz="2800" b="0" cap="none" spc="0" dirty="0">
+              <a:ln w="0"/>
+              <a:solidFill>
+                <a:schemeClr val="tx1"/>
+              </a:solidFill>
+              <a:effectLst>
+                <a:outerShdw blurRad="38100" dist="19050" dir="2700000" algn="tl" rotWithShape="0">
+                  <a:schemeClr val="dk1">
+                    <a:alpha val="40000"/>
+                  </a:schemeClr>
+                </a:outerShdw>
+              </a:effectLst>
+            </a:endParaRPr>
+          </a:p>
+          <a:p>
+            <a:pPr algn="ctr"/>
+            <a:r>
+              <a:rPr lang="it-IT" sz="3600" b="0" dirty="0">
+                <a:ln w="0"/>
+                <a:solidFill>
+                  <a:srgbClr val="C00000"/>
+                </a:solidFill>
+                <a:effectLst>
+                  <a:outerShdw blurRad="38100" dist="19050" dir="2700000" algn="tl" rotWithShape="0">
+                    <a:schemeClr val="dk1">
+                      <a:alpha val="40000"/>
+                    </a:schemeClr>
+                  </a:outerShdw>
+                </a:effectLst>
+              </a:rPr>
+              <a:t>Split-Operator Application in a Time</a:t>
+            </a:r>
+          </a:p>
+          <a:p>
+            <a:pPr algn="ctr"/>
+            <a:r>
+              <a:rPr lang="it-IT" sz="3600" b="0" dirty="0" err="1">
+                <a:ln w="0"/>
+                <a:solidFill>
+                  <a:srgbClr val="C00000"/>
+                </a:solidFill>
+                <a:effectLst>
+                  <a:outerShdw blurRad="38100" dist="19050" dir="2700000" algn="tl" rotWithShape="0">
+                    <a:schemeClr val="dk1">
+                      <a:alpha val="40000"/>
+                    </a:schemeClr>
+                  </a:outerShdw>
+                </a:effectLst>
+              </a:rPr>
+              <a:t>Dependent</a:t>
+            </a:r>
+            <a:r>
+              <a:rPr lang="it-IT" sz="3600" b="0" dirty="0">
+                <a:ln w="0"/>
+                <a:solidFill>
+                  <a:srgbClr val="C00000"/>
+                </a:solidFill>
+                <a:effectLst>
+                  <a:outerShdw blurRad="38100" dist="19050" dir="2700000" algn="tl" rotWithShape="0">
+                    <a:schemeClr val="dk1">
+                      <a:alpha val="40000"/>
+                    </a:schemeClr>
+                  </a:outerShdw>
+                </a:effectLst>
+              </a:rPr>
+              <a:t> </a:t>
+            </a:r>
+            <a:r>
+              <a:rPr lang="it-IT" sz="3600" b="0" dirty="0" err="1">
+                <a:ln w="0"/>
+                <a:solidFill>
+                  <a:srgbClr val="C00000"/>
+                </a:solidFill>
+                <a:effectLst>
+                  <a:outerShdw blurRad="38100" dist="19050" dir="2700000" algn="tl" rotWithShape="0">
+                    <a:schemeClr val="dk1">
+                      <a:alpha val="40000"/>
+                    </a:schemeClr>
+                  </a:outerShdw>
+                </a:effectLst>
+              </a:rPr>
+              <a:t>Hamiltonian</a:t>
+            </a:r>
+            <a:endParaRPr lang="it-IT" sz="3600" b="0" dirty="0">
+              <a:ln w="0"/>
+              <a:solidFill>
+                <a:srgbClr val="C00000"/>
+              </a:solidFill>
+              <a:effectLst>
+                <a:outerShdw blurRad="38100" dist="19050" dir="2700000" algn="tl" rotWithShape="0">
+                  <a:schemeClr val="dk1">
+                    <a:alpha val="40000"/>
+                  </a:schemeClr>
+                </a:outerShdw>
+              </a:effectLst>
+            </a:endParaRPr>
           </a:p>
           <a:p>
             <a:pPr algn="ctr"/>
@@ -3763,76 +3948,6 @@
                 </a:outerShdw>
               </a:effectLst>
             </a:endParaRPr>
-          </a:p>
-          <a:p>
-            <a:pPr algn="ctr"/>
-            <a:r>
-              <a:rPr lang="it-IT" sz="3600" b="0" cap="none" spc="0" dirty="0">
-                <a:ln w="0"/>
-                <a:solidFill>
-                  <a:schemeClr val="tx1"/>
-                </a:solidFill>
-                <a:effectLst>
-                  <a:outerShdw blurRad="38100" dist="19050" dir="2700000" algn="tl" rotWithShape="0">
-                    <a:schemeClr val="dk1">
-                      <a:alpha val="40000"/>
-                    </a:schemeClr>
-                  </a:outerShdw>
-                </a:effectLst>
-              </a:rPr>
-              <a:t>Saverio Monaco</a:t>
-            </a:r>
-          </a:p>
-          <a:p>
-            <a:pPr algn="ctr"/>
-            <a:r>
-              <a:rPr lang="it-IT" sz="3600" b="0" dirty="0">
-                <a:ln w="0"/>
-                <a:effectLst>
-                  <a:outerShdw blurRad="38100" dist="19050" dir="2700000" algn="tl" rotWithShape="0">
-                    <a:schemeClr val="dk1">
-                      <a:alpha val="40000"/>
-                    </a:schemeClr>
-                  </a:outerShdw>
-                </a:effectLst>
-              </a:rPr>
-              <a:t>Date</a:t>
-            </a:r>
-          </a:p>
-          <a:p>
-            <a:pPr algn="ctr"/>
-            <a:r>
-              <a:rPr lang="it-IT" sz="3600" b="0" cap="none" spc="0" dirty="0" err="1">
-                <a:ln w="0"/>
-                <a:solidFill>
-                  <a:schemeClr val="tx1"/>
-                </a:solidFill>
-                <a:effectLst>
-                  <a:outerShdw blurRad="38100" dist="19050" dir="2700000" algn="tl" rotWithShape="0">
-                    <a:schemeClr val="dk1">
-                      <a:alpha val="40000"/>
-                    </a:schemeClr>
-                  </a:outerShdw>
-                </a:effectLst>
-              </a:rPr>
-              <a:t>Exercise</a:t>
-            </a:r>
-            <a:r>
-              <a:rPr lang="it-IT" sz="3600" b="0" cap="none" spc="0" dirty="0">
-                <a:ln w="0"/>
-                <a:solidFill>
-                  <a:schemeClr val="tx1"/>
-                </a:solidFill>
-                <a:effectLst>
-                  <a:outerShdw blurRad="38100" dist="19050" dir="2700000" algn="tl" rotWithShape="0">
-                    <a:schemeClr val="dk1">
-                      <a:alpha val="40000"/>
-                    </a:schemeClr>
-                  </a:outerShdw>
-                </a:effectLst>
-              </a:rPr>
-              <a:t> #</a:t>
-            </a:r>
           </a:p>
         </p:txBody>
       </p:sp>
@@ -7516,12 +7631,9 @@
 </file>
 
 <file path=customXml/item1.xml><?xml version="1.0" encoding="utf-8"?>
-<?mso-contentType ?>
-<FormTemplates xmlns="http://schemas.microsoft.com/sharepoint/v3/contenttype/forms">
-  <Display>DocumentLibraryForm</Display>
-  <Edit>DocumentLibraryForm</Edit>
-  <New>DocumentLibraryForm</New>
-</FormTemplates>
+<p:properties xmlns:p="http://schemas.microsoft.com/office/2006/metadata/properties" xmlns:xsi="http://www.w3.org/2001/XMLSchema-instance" xmlns:pc="http://schemas.microsoft.com/office/infopath/2007/PartnerControls">
+  <documentManagement/>
+</p:properties>
 </file>
 
 <file path=customXml/item2.xml><?xml version="1.0" encoding="utf-8"?>
@@ -7657,15 +7769,26 @@
 </file>
 
 <file path=customXml/item3.xml><?xml version="1.0" encoding="utf-8"?>
-<p:properties xmlns:p="http://schemas.microsoft.com/office/2006/metadata/properties" xmlns:xsi="http://www.w3.org/2001/XMLSchema-instance" xmlns:pc="http://schemas.microsoft.com/office/infopath/2007/PartnerControls">
-  <documentManagement/>
-</p:properties>
+<?mso-contentType ?>
+<FormTemplates xmlns="http://schemas.microsoft.com/sharepoint/v3/contenttype/forms">
+  <Display>DocumentLibraryForm</Display>
+  <Edit>DocumentLibraryForm</Edit>
+  <New>DocumentLibraryForm</New>
+</FormTemplates>
 </file>
 
 <file path=customXml/itemProps1.xml><?xml version="1.0" encoding="utf-8"?>
-<ds:datastoreItem xmlns:ds="http://schemas.openxmlformats.org/officeDocument/2006/customXml" ds:itemID="{855D325D-3B77-47CA-8757-84DD5741DFBA}">
+<ds:datastoreItem xmlns:ds="http://schemas.openxmlformats.org/officeDocument/2006/customXml" ds:itemID="{FF5D3D51-03CC-4736-A35A-7D072B275084}">
   <ds:schemaRefs>
-    <ds:schemaRef ds:uri="http://schemas.microsoft.com/sharepoint/v3/contenttype/forms"/>
+    <ds:schemaRef ds:uri="http://schemas.microsoft.com/office/infopath/2007/PartnerControls"/>
+    <ds:schemaRef ds:uri="http://purl.org/dc/terms/"/>
+    <ds:schemaRef ds:uri="http://www.w3.org/XML/1998/namespace"/>
+    <ds:schemaRef ds:uri="http://purl.org/dc/elements/1.1/"/>
+    <ds:schemaRef ds:uri="http://schemas.microsoft.com/office/2006/metadata/properties"/>
+    <ds:schemaRef ds:uri="http://schemas.microsoft.com/office/2006/documentManagement/types"/>
+    <ds:schemaRef ds:uri="http://schemas.openxmlformats.org/package/2006/metadata/core-properties"/>
+    <ds:schemaRef ds:uri="8d210665-cc30-40de-a1c4-5d90bbb582de"/>
+    <ds:schemaRef ds:uri="http://purl.org/dc/dcmitype/"/>
   </ds:schemaRefs>
 </ds:datastoreItem>
 </file>
@@ -7689,17 +7812,9 @@
 </file>
 
 <file path=customXml/itemProps3.xml><?xml version="1.0" encoding="utf-8"?>
-<ds:datastoreItem xmlns:ds="http://schemas.openxmlformats.org/officeDocument/2006/customXml" ds:itemID="{FF5D3D51-03CC-4736-A35A-7D072B275084}">
+<ds:datastoreItem xmlns:ds="http://schemas.openxmlformats.org/officeDocument/2006/customXml" ds:itemID="{855D325D-3B77-47CA-8757-84DD5741DFBA}">
   <ds:schemaRefs>
-    <ds:schemaRef ds:uri="http://schemas.microsoft.com/office/infopath/2007/PartnerControls"/>
-    <ds:schemaRef ds:uri="http://purl.org/dc/terms/"/>
-    <ds:schemaRef ds:uri="http://www.w3.org/XML/1998/namespace"/>
-    <ds:schemaRef ds:uri="http://purl.org/dc/elements/1.1/"/>
-    <ds:schemaRef ds:uri="http://schemas.microsoft.com/office/2006/metadata/properties"/>
-    <ds:schemaRef ds:uri="http://schemas.microsoft.com/office/2006/documentManagement/types"/>
-    <ds:schemaRef ds:uri="http://schemas.openxmlformats.org/package/2006/metadata/core-properties"/>
-    <ds:schemaRef ds:uri="8d210665-cc30-40de-a1c4-5d90bbb582de"/>
-    <ds:schemaRef ds:uri="http://purl.org/dc/dcmitype/"/>
+    <ds:schemaRef ds:uri="http://schemas.microsoft.com/sharepoint/v3/contenttype/forms"/>
   </ds:schemaRefs>
 </ds:datastoreItem>
 </file>